--- a/Github 연습.pptx
+++ b/Github 연습.pptx
@@ -7,6 +7,7 @@
   <p:sldIdLst>
     <p:sldId id="256" r:id="rId2"/>
     <p:sldId id="257" r:id="rId3"/>
+    <p:sldId id="258" r:id="rId4"/>
   </p:sldIdLst>
   <p:sldSz cx="12192000" cy="6858000"/>
   <p:notesSz cx="6858000" cy="9144000"/>
@@ -3395,7 +3396,18 @@
           <a:bodyPr/>
           <a:lstStyle/>
           <a:p>
-            <a:endParaRPr lang="ko-KR" altLang="en-US"/>
+            <a:r>
+              <a:rPr lang="ko-KR" altLang="en-US" dirty="0"/>
+              <a:t>원본에서 </a:t>
+            </a:r>
+            <a:r>
+              <a:rPr lang="en-US" altLang="ko-KR" dirty="0"/>
+              <a:t>1</a:t>
+            </a:r>
+            <a:r>
+              <a:rPr lang="ko-KR" altLang="en-US" dirty="0"/>
+              <a:t>차 수정함</a:t>
+            </a:r>
           </a:p>
         </p:txBody>
       </p:sp>
@@ -3444,7 +3456,7 @@
         <p:spPr>
           <a:xfrm>
             <a:off x="484093" y="849855"/>
-            <a:ext cx="3363421" cy="646331"/>
+            <a:ext cx="3363421" cy="923330"/>
           </a:xfrm>
           <a:prstGeom prst="rect">
             <a:avLst/>
@@ -3472,10 +3484,9 @@
             <a:endParaRPr lang="en-US" altLang="ko-KR" dirty="0"/>
           </a:p>
           <a:p>
-            <a:r>
-              <a:rPr lang="en-US" altLang="ko-KR" dirty="0"/>
-              <a:t>1) </a:t>
-            </a:r>
+            <a:pPr marL="342900" indent="-342900">
+              <a:buAutoNum type="arabicParenR"/>
+            </a:pPr>
             <a:r>
               <a:rPr lang="ko-KR" altLang="en-US" dirty="0"/>
               <a:t>첫번째 </a:t>
@@ -3488,6 +3499,25 @@
               <a:rPr lang="ko-KR" altLang="en-US" dirty="0"/>
               <a:t> 둘째 줄</a:t>
             </a:r>
+            <a:endParaRPr lang="en-US" altLang="ko-KR" dirty="0"/>
+          </a:p>
+          <a:p>
+            <a:pPr marL="342900" indent="-342900">
+              <a:buAutoNum type="arabicParenR"/>
+            </a:pPr>
+            <a:r>
+              <a:rPr lang="en-US" altLang="ko-KR" dirty="0">
+                <a:sym typeface="Wingdings" panose="05000000000000000000" pitchFamily="2" charset="2"/>
+              </a:rPr>
+              <a:t> 1</a:t>
+            </a:r>
+            <a:r>
+              <a:rPr lang="ko-KR" altLang="en-US" dirty="0">
+                <a:sym typeface="Wingdings" panose="05000000000000000000" pitchFamily="2" charset="2"/>
+              </a:rPr>
+              <a:t>차 수정</a:t>
+            </a:r>
+            <a:endParaRPr lang="ko-KR" altLang="en-US" dirty="0"/>
           </a:p>
         </p:txBody>
       </p:sp>
@@ -3506,7 +3536,7 @@
         <p:spPr>
           <a:xfrm>
             <a:off x="484093" y="2097742"/>
-            <a:ext cx="3363421" cy="646331"/>
+            <a:ext cx="3363421" cy="923330"/>
           </a:xfrm>
           <a:prstGeom prst="rect">
             <a:avLst/>
@@ -3550,6 +3580,22 @@
               <a:rPr lang="ko-KR" altLang="en-US" dirty="0"/>
               <a:t> 둘째 줄</a:t>
             </a:r>
+            <a:endParaRPr lang="en-US" altLang="ko-KR" dirty="0"/>
+          </a:p>
+          <a:p>
+            <a:r>
+              <a:rPr lang="en-US" altLang="ko-KR" dirty="0">
+                <a:sym typeface="Wingdings" panose="05000000000000000000" pitchFamily="2" charset="2"/>
+              </a:rPr>
+              <a:t> 1</a:t>
+            </a:r>
+            <a:r>
+              <a:rPr lang="ko-KR" altLang="en-US" dirty="0">
+                <a:sym typeface="Wingdings" panose="05000000000000000000" pitchFamily="2" charset="2"/>
+              </a:rPr>
+              <a:t>차 수정</a:t>
+            </a:r>
+            <a:endParaRPr lang="ko-KR" altLang="en-US" dirty="0"/>
           </a:p>
         </p:txBody>
       </p:sp>
@@ -3594,10 +3640,196 @@
           </a:ln>
         </p:spPr>
       </p:pic>
+      <p:pic>
+        <p:nvPicPr>
+          <p:cNvPr id="6" name="그림 5">
+            <a:extLst>
+              <a:ext uri="{FF2B5EF4-FFF2-40B4-BE49-F238E27FC236}">
+                <a16:creationId xmlns:a16="http://schemas.microsoft.com/office/drawing/2014/main" id="{F7740423-1840-4BAE-A904-70425FA0353A}"/>
+              </a:ext>
+            </a:extLst>
+          </p:cNvPr>
+          <p:cNvPicPr>
+            <a:picLocks noChangeAspect="1"/>
+          </p:cNvPicPr>
+          <p:nvPr/>
+        </p:nvPicPr>
+        <p:blipFill>
+          <a:blip r:embed="rId3">
+            <a:extLst>
+              <a:ext uri="{28A0092B-C50C-407E-A947-70E740481C1C}">
+                <a14:useLocalDpi xmlns:a14="http://schemas.microsoft.com/office/drawing/2010/main" val="0"/>
+              </a:ext>
+            </a:extLst>
+          </a:blip>
+          <a:stretch>
+            <a:fillRect/>
+          </a:stretch>
+        </p:blipFill>
+        <p:spPr>
+          <a:xfrm>
+            <a:off x="1619367" y="3815158"/>
+            <a:ext cx="9845893" cy="2395936"/>
+          </a:xfrm>
+          <a:prstGeom prst="rect">
+            <a:avLst/>
+          </a:prstGeom>
+          <a:ln>
+            <a:solidFill>
+              <a:srgbClr val="0070C0"/>
+            </a:solidFill>
+          </a:ln>
+        </p:spPr>
+      </p:pic>
     </p:spTree>
     <p:extLst>
       <p:ext uri="{BB962C8B-B14F-4D97-AF65-F5344CB8AC3E}">
         <p14:creationId xmlns:p14="http://schemas.microsoft.com/office/powerpoint/2010/main" val="3429542821"/>
+      </p:ext>
+    </p:extLst>
+  </p:cSld>
+  <p:clrMapOvr>
+    <a:masterClrMapping/>
+  </p:clrMapOvr>
+</p:sld>
+</file>
+
+<file path=ppt/slides/slide3.xml><?xml version="1.0" encoding="utf-8"?>
+<p:sld xmlns:a="http://schemas.openxmlformats.org/drawingml/2006/main" xmlns:r="http://schemas.openxmlformats.org/officeDocument/2006/relationships" xmlns:p="http://schemas.openxmlformats.org/presentationml/2006/main">
+  <p:cSld>
+    <p:spTree>
+      <p:nvGrpSpPr>
+        <p:cNvPr id="1" name=""/>
+        <p:cNvGrpSpPr/>
+        <p:nvPr/>
+      </p:nvGrpSpPr>
+      <p:grpSpPr>
+        <a:xfrm>
+          <a:off x="0" y="0"/>
+          <a:ext cx="0" cy="0"/>
+          <a:chOff x="0" y="0"/>
+          <a:chExt cx="0" cy="0"/>
+        </a:xfrm>
+      </p:grpSpPr>
+      <p:sp>
+        <p:nvSpPr>
+          <p:cNvPr id="2" name="TextBox 1">
+            <a:extLst>
+              <a:ext uri="{FF2B5EF4-FFF2-40B4-BE49-F238E27FC236}">
+                <a16:creationId xmlns:a16="http://schemas.microsoft.com/office/drawing/2014/main" id="{9D25D8FA-727A-4344-A33D-262DA7C6857B}"/>
+              </a:ext>
+            </a:extLst>
+          </p:cNvPr>
+          <p:cNvSpPr txBox="1"/>
+          <p:nvPr/>
+        </p:nvSpPr>
+        <p:spPr>
+          <a:xfrm>
+            <a:off x="701808" y="462240"/>
+            <a:ext cx="1393330" cy="369332"/>
+          </a:xfrm>
+          <a:prstGeom prst="rect">
+            <a:avLst/>
+          </a:prstGeom>
+          <a:noFill/>
+          <a:ln>
+            <a:solidFill>
+              <a:srgbClr val="0070C0"/>
+            </a:solidFill>
+          </a:ln>
+        </p:spPr>
+        <p:txBody>
+          <a:bodyPr wrap="none" rtlCol="0">
+            <a:spAutoFit/>
+          </a:bodyPr>
+          <a:lstStyle/>
+          <a:p>
+            <a:r>
+              <a:rPr lang="en-US" altLang="ko-KR" dirty="0">
+                <a:sym typeface="Wingdings" panose="05000000000000000000" pitchFamily="2" charset="2"/>
+              </a:rPr>
+              <a:t> 1</a:t>
+            </a:r>
+            <a:r>
+              <a:rPr lang="ko-KR" altLang="en-US" dirty="0">
+                <a:sym typeface="Wingdings" panose="05000000000000000000" pitchFamily="2" charset="2"/>
+              </a:rPr>
+              <a:t>차 수정</a:t>
+            </a:r>
+            <a:endParaRPr lang="ko-KR" altLang="en-US" dirty="0"/>
+          </a:p>
+        </p:txBody>
+      </p:sp>
+      <p:pic>
+        <p:nvPicPr>
+          <p:cNvPr id="3" name="그림 2">
+            <a:extLst>
+              <a:ext uri="{FF2B5EF4-FFF2-40B4-BE49-F238E27FC236}">
+                <a16:creationId xmlns:a16="http://schemas.microsoft.com/office/drawing/2014/main" id="{F77C06F2-E22C-4A47-8A6D-2E9AD17595B8}"/>
+              </a:ext>
+            </a:extLst>
+          </p:cNvPr>
+          <p:cNvPicPr>
+            <a:picLocks noChangeAspect="1"/>
+          </p:cNvPicPr>
+          <p:nvPr/>
+        </p:nvPicPr>
+        <p:blipFill>
+          <a:blip r:embed="rId2">
+            <a:extLst>
+              <a:ext uri="{28A0092B-C50C-407E-A947-70E740481C1C}">
+                <a14:useLocalDpi xmlns:a14="http://schemas.microsoft.com/office/drawing/2010/main" val="0"/>
+              </a:ext>
+            </a:extLst>
+          </a:blip>
+          <a:stretch>
+            <a:fillRect/>
+          </a:stretch>
+        </p:blipFill>
+        <p:spPr>
+          <a:xfrm>
+            <a:off x="1608481" y="2400015"/>
+            <a:ext cx="9845893" cy="2395936"/>
+          </a:xfrm>
+          <a:prstGeom prst="rect">
+            <a:avLst/>
+          </a:prstGeom>
+          <a:solidFill>
+            <a:srgbClr val="FFFFFF">
+              <a:shade val="85000"/>
+            </a:srgbClr>
+          </a:solidFill>
+          <a:ln w="88900" cap="sq">
+            <a:solidFill>
+              <a:srgbClr val="FFFFFF"/>
+            </a:solidFill>
+            <a:miter lim="800000"/>
+          </a:ln>
+          <a:effectLst>
+            <a:outerShdw blurRad="55000" dist="18000" dir="5400000" algn="tl" rotWithShape="0">
+              <a:srgbClr val="000000">
+                <a:alpha val="40000"/>
+              </a:srgbClr>
+            </a:outerShdw>
+          </a:effectLst>
+          <a:scene3d>
+            <a:camera prst="orthographicFront"/>
+            <a:lightRig rig="twoPt" dir="t">
+              <a:rot lat="0" lon="0" rev="7200000"/>
+            </a:lightRig>
+          </a:scene3d>
+          <a:sp3d>
+            <a:bevelT w="25400" h="19050"/>
+            <a:contourClr>
+              <a:srgbClr val="FFFFFF"/>
+            </a:contourClr>
+          </a:sp3d>
+        </p:spPr>
+      </p:pic>
+    </p:spTree>
+    <p:extLst>
+      <p:ext uri="{BB962C8B-B14F-4D97-AF65-F5344CB8AC3E}">
+        <p14:creationId xmlns:p14="http://schemas.microsoft.com/office/powerpoint/2010/main" val="3216662992"/>
       </p:ext>
     </p:extLst>
   </p:cSld>
